--- a/Диплом/Диплом_презентация.pptx
+++ b/Диплом/Диплом_презентация.pptx
@@ -118,6 +118,11 @@
       </a:defRPr>
     </a:lvl9pPr>
   </p:defaultTextStyle>
+  <p:extLst>
+    <p:ext uri="{EFAFB233-063F-42B5-8137-9DF3F51BA10A}">
+      <p15:sldGuideLst xmlns:p15="http://schemas.microsoft.com/office/powerpoint/2012/main"/>
+    </p:ext>
+  </p:extLst>
 </p:presentation>
 </file>
 
@@ -203,7 +208,7 @@
           <a:p>
             <a:fld id="{3DF282E5-FAF4-44BE-B795-DCD1BA76D0A5}" type="datetimeFigureOut">
               <a:rPr lang="ru-RU" smtClean="0"/>
-              <a:t>05.06.2023</a:t>
+              <a:t>06.06.2023</a:t>
             </a:fld>
             <a:endParaRPr lang="ru-RU"/>
           </a:p>
@@ -953,7 +958,7 @@
           <a:p>
             <a:fld id="{E8C8BE15-C515-4508-A5D9-748F19BF2807}" type="datetimeFigureOut">
               <a:rPr lang="ru-RU" smtClean="0"/>
-              <a:t>05.06.2023</a:t>
+              <a:t>06.06.2023</a:t>
             </a:fld>
             <a:endParaRPr lang="ru-RU"/>
           </a:p>
@@ -1151,7 +1156,7 @@
           <a:p>
             <a:fld id="{E8C8BE15-C515-4508-A5D9-748F19BF2807}" type="datetimeFigureOut">
               <a:rPr lang="ru-RU" smtClean="0"/>
-              <a:t>05.06.2023</a:t>
+              <a:t>06.06.2023</a:t>
             </a:fld>
             <a:endParaRPr lang="ru-RU"/>
           </a:p>
@@ -1359,7 +1364,7 @@
           <a:p>
             <a:fld id="{E8C8BE15-C515-4508-A5D9-748F19BF2807}" type="datetimeFigureOut">
               <a:rPr lang="ru-RU" smtClean="0"/>
-              <a:t>05.06.2023</a:t>
+              <a:t>06.06.2023</a:t>
             </a:fld>
             <a:endParaRPr lang="ru-RU"/>
           </a:p>
@@ -1557,7 +1562,7 @@
           <a:p>
             <a:fld id="{E8C8BE15-C515-4508-A5D9-748F19BF2807}" type="datetimeFigureOut">
               <a:rPr lang="ru-RU" smtClean="0"/>
-              <a:t>05.06.2023</a:t>
+              <a:t>06.06.2023</a:t>
             </a:fld>
             <a:endParaRPr lang="ru-RU"/>
           </a:p>
@@ -1832,7 +1837,7 @@
           <a:p>
             <a:fld id="{E8C8BE15-C515-4508-A5D9-748F19BF2807}" type="datetimeFigureOut">
               <a:rPr lang="ru-RU" smtClean="0"/>
-              <a:t>05.06.2023</a:t>
+              <a:t>06.06.2023</a:t>
             </a:fld>
             <a:endParaRPr lang="ru-RU"/>
           </a:p>
@@ -2097,7 +2102,7 @@
           <a:p>
             <a:fld id="{E8C8BE15-C515-4508-A5D9-748F19BF2807}" type="datetimeFigureOut">
               <a:rPr lang="ru-RU" smtClean="0"/>
-              <a:t>05.06.2023</a:t>
+              <a:t>06.06.2023</a:t>
             </a:fld>
             <a:endParaRPr lang="ru-RU"/>
           </a:p>
@@ -2509,7 +2514,7 @@
           <a:p>
             <a:fld id="{E8C8BE15-C515-4508-A5D9-748F19BF2807}" type="datetimeFigureOut">
               <a:rPr lang="ru-RU" smtClean="0"/>
-              <a:t>05.06.2023</a:t>
+              <a:t>06.06.2023</a:t>
             </a:fld>
             <a:endParaRPr lang="ru-RU"/>
           </a:p>
@@ -2650,7 +2655,7 @@
           <a:p>
             <a:fld id="{E8C8BE15-C515-4508-A5D9-748F19BF2807}" type="datetimeFigureOut">
               <a:rPr lang="ru-RU" smtClean="0"/>
-              <a:t>05.06.2023</a:t>
+              <a:t>06.06.2023</a:t>
             </a:fld>
             <a:endParaRPr lang="ru-RU"/>
           </a:p>
@@ -2763,7 +2768,7 @@
           <a:p>
             <a:fld id="{E8C8BE15-C515-4508-A5D9-748F19BF2807}" type="datetimeFigureOut">
               <a:rPr lang="ru-RU" smtClean="0"/>
-              <a:t>05.06.2023</a:t>
+              <a:t>06.06.2023</a:t>
             </a:fld>
             <a:endParaRPr lang="ru-RU"/>
           </a:p>
@@ -3074,7 +3079,7 @@
           <a:p>
             <a:fld id="{E8C8BE15-C515-4508-A5D9-748F19BF2807}" type="datetimeFigureOut">
               <a:rPr lang="ru-RU" smtClean="0"/>
-              <a:t>05.06.2023</a:t>
+              <a:t>06.06.2023</a:t>
             </a:fld>
             <a:endParaRPr lang="ru-RU"/>
           </a:p>
@@ -3362,7 +3367,7 @@
           <a:p>
             <a:fld id="{E8C8BE15-C515-4508-A5D9-748F19BF2807}" type="datetimeFigureOut">
               <a:rPr lang="ru-RU" smtClean="0"/>
-              <a:t>05.06.2023</a:t>
+              <a:t>06.06.2023</a:t>
             </a:fld>
             <a:endParaRPr lang="ru-RU"/>
           </a:p>
@@ -3603,7 +3608,7 @@
           <a:p>
             <a:fld id="{E8C8BE15-C515-4508-A5D9-748F19BF2807}" type="datetimeFigureOut">
               <a:rPr lang="ru-RU" smtClean="0"/>
-              <a:t>05.06.2023</a:t>
+              <a:t>06.06.2023</a:t>
             </a:fld>
             <a:endParaRPr lang="ru-RU"/>
           </a:p>
@@ -4629,8 +4634,8 @@
           </a:p>
         </p:txBody>
       </p:sp>
-      <mc:AlternateContent xmlns:mc="http://schemas.openxmlformats.org/markup-compatibility/2006">
-        <mc:Choice xmlns:a14="http://schemas.microsoft.com/office/drawing/2010/main" Requires="a14">
+      <mc:AlternateContent xmlns:mc="http://schemas.openxmlformats.org/markup-compatibility/2006" xmlns:a14="http://schemas.microsoft.com/office/drawing/2010/main">
+        <mc:Choice Requires="a14">
           <p:sp>
             <p:nvSpPr>
               <p:cNvPr id="3" name="Подзаголовок 2">
@@ -4776,7 +4781,7 @@
             </p:txBody>
           </p:sp>
         </mc:Choice>
-        <mc:Fallback>
+        <mc:Fallback xmlns="">
           <p:sp>
             <p:nvSpPr>
               <p:cNvPr id="3" name="Подзаголовок 2">
@@ -5785,8 +5790,8 @@
           </a:p>
         </p:txBody>
       </p:sp>
-      <mc:AlternateContent xmlns:mc="http://schemas.openxmlformats.org/markup-compatibility/2006">
-        <mc:Choice xmlns:a14="http://schemas.microsoft.com/office/drawing/2010/main" Requires="a14">
+      <mc:AlternateContent xmlns:mc="http://schemas.openxmlformats.org/markup-compatibility/2006" xmlns:a14="http://schemas.microsoft.com/office/drawing/2010/main">
+        <mc:Choice Requires="a14">
           <p:sp>
             <p:nvSpPr>
               <p:cNvPr id="8" name="TextBox 7">
@@ -5890,7 +5895,7 @@
             </p:txBody>
           </p:sp>
         </mc:Choice>
-        <mc:Fallback>
+        <mc:Fallback xmlns="">
           <p:sp>
             <p:nvSpPr>
               <p:cNvPr id="8" name="TextBox 7">
@@ -5973,8 +5978,8 @@
           </a:p>
         </p:txBody>
       </p:sp>
-      <mc:AlternateContent xmlns:mc="http://schemas.openxmlformats.org/markup-compatibility/2006">
-        <mc:Choice xmlns:a14="http://schemas.microsoft.com/office/drawing/2010/main" Requires="a14">
+      <mc:AlternateContent xmlns:mc="http://schemas.openxmlformats.org/markup-compatibility/2006" xmlns:a14="http://schemas.microsoft.com/office/drawing/2010/main">
+        <mc:Choice Requires="a14">
           <p:sp>
             <p:nvSpPr>
               <p:cNvPr id="10" name="TextBox 9">
@@ -6098,7 +6103,7 @@
             </p:txBody>
           </p:sp>
         </mc:Choice>
-        <mc:Fallback>
+        <mc:Fallback xmlns="">
           <p:sp>
             <p:nvSpPr>
               <p:cNvPr id="10" name="TextBox 9">
